--- a/report/Fig/Fig_Toilet_cleaning_robot_Happy_Burger.pptx
+++ b/report/Fig/Fig_Toilet_cleaning_robot_Happy_Burger.pptx
@@ -6,7 +6,8 @@
   </p:sldMasterIdLst>
   <p:sldIdLst>
     <p:sldId id="256" r:id="rId2"/>
-    <p:sldId id="257" r:id="rId3"/>
+    <p:sldId id="258" r:id="rId3"/>
+    <p:sldId id="257" r:id="rId4"/>
   </p:sldIdLst>
   <p:sldSz cx="12192000" cy="6858000"/>
   <p:notesSz cx="6858000" cy="9144000"/>
@@ -244,7 +245,7 @@
           <a:p>
             <a:fld id="{62457337-220B-4D9D-B01A-6535CD117297}" type="datetimeFigureOut">
               <a:rPr lang="en-US" smtClean="0"/>
-              <a:t>1/29/2019</a:t>
+              <a:t>2/9/2019</a:t>
             </a:fld>
             <a:endParaRPr lang="en-US"/>
           </a:p>
@@ -446,7 +447,7 @@
           <a:p>
             <a:fld id="{62457337-220B-4D9D-B01A-6535CD117297}" type="datetimeFigureOut">
               <a:rPr lang="en-US" smtClean="0"/>
-              <a:t>1/29/2019</a:t>
+              <a:t>2/9/2019</a:t>
             </a:fld>
             <a:endParaRPr lang="en-US"/>
           </a:p>
@@ -658,7 +659,7 @@
           <a:p>
             <a:fld id="{62457337-220B-4D9D-B01A-6535CD117297}" type="datetimeFigureOut">
               <a:rPr lang="en-US" smtClean="0"/>
-              <a:t>1/29/2019</a:t>
+              <a:t>2/9/2019</a:t>
             </a:fld>
             <a:endParaRPr lang="en-US"/>
           </a:p>
@@ -860,7 +861,7 @@
           <a:p>
             <a:fld id="{62457337-220B-4D9D-B01A-6535CD117297}" type="datetimeFigureOut">
               <a:rPr lang="en-US" smtClean="0"/>
-              <a:t>1/29/2019</a:t>
+              <a:t>2/9/2019</a:t>
             </a:fld>
             <a:endParaRPr lang="en-US"/>
           </a:p>
@@ -1106,7 +1107,7 @@
           <a:p>
             <a:fld id="{62457337-220B-4D9D-B01A-6535CD117297}" type="datetimeFigureOut">
               <a:rPr lang="en-US" smtClean="0"/>
-              <a:t>1/29/2019</a:t>
+              <a:t>2/9/2019</a:t>
             </a:fld>
             <a:endParaRPr lang="en-US"/>
           </a:p>
@@ -1402,7 +1403,7 @@
           <a:p>
             <a:fld id="{62457337-220B-4D9D-B01A-6535CD117297}" type="datetimeFigureOut">
               <a:rPr lang="en-US" smtClean="0"/>
-              <a:t>1/29/2019</a:t>
+              <a:t>2/9/2019</a:t>
             </a:fld>
             <a:endParaRPr lang="en-US"/>
           </a:p>
@@ -1833,7 +1834,7 @@
           <a:p>
             <a:fld id="{62457337-220B-4D9D-B01A-6535CD117297}" type="datetimeFigureOut">
               <a:rPr lang="en-US" smtClean="0"/>
-              <a:t>1/29/2019</a:t>
+              <a:t>2/9/2019</a:t>
             </a:fld>
             <a:endParaRPr lang="en-US"/>
           </a:p>
@@ -1951,7 +1952,7 @@
           <a:p>
             <a:fld id="{62457337-220B-4D9D-B01A-6535CD117297}" type="datetimeFigureOut">
               <a:rPr lang="en-US" smtClean="0"/>
-              <a:t>1/29/2019</a:t>
+              <a:t>2/9/2019</a:t>
             </a:fld>
             <a:endParaRPr lang="en-US"/>
           </a:p>
@@ -2046,7 +2047,7 @@
           <a:p>
             <a:fld id="{62457337-220B-4D9D-B01A-6535CD117297}" type="datetimeFigureOut">
               <a:rPr lang="en-US" smtClean="0"/>
-              <a:t>1/29/2019</a:t>
+              <a:t>2/9/2019</a:t>
             </a:fld>
             <a:endParaRPr lang="en-US"/>
           </a:p>
@@ -2355,7 +2356,7 @@
           <a:p>
             <a:fld id="{62457337-220B-4D9D-B01A-6535CD117297}" type="datetimeFigureOut">
               <a:rPr lang="en-US" smtClean="0"/>
-              <a:t>1/29/2019</a:t>
+              <a:t>2/9/2019</a:t>
             </a:fld>
             <a:endParaRPr lang="en-US"/>
           </a:p>
@@ -2608,7 +2609,7 @@
           <a:p>
             <a:fld id="{62457337-220B-4D9D-B01A-6535CD117297}" type="datetimeFigureOut">
               <a:rPr lang="en-US" smtClean="0"/>
-              <a:t>1/29/2019</a:t>
+              <a:t>2/9/2019</a:t>
             </a:fld>
             <a:endParaRPr lang="en-US"/>
           </a:p>
@@ -2853,7 +2854,7 @@
           <a:p>
             <a:fld id="{62457337-220B-4D9D-B01A-6535CD117297}" type="datetimeFigureOut">
               <a:rPr lang="en-US" smtClean="0"/>
-              <a:t>1/29/2019</a:t>
+              <a:t>2/9/2019</a:t>
             </a:fld>
             <a:endParaRPr lang="en-US"/>
           </a:p>
@@ -3260,21 +3261,21 @@
       </p:grpSpPr>
       <p:grpSp>
         <p:nvGrpSpPr>
-          <p:cNvPr id="24" name="グループ化 23"/>
+          <p:cNvPr id="3" name="グループ化 2"/>
           <p:cNvGrpSpPr/>
           <p:nvPr/>
         </p:nvGrpSpPr>
         <p:grpSpPr>
           <a:xfrm>
             <a:off x="3218825" y="1540042"/>
-            <a:ext cx="5181828" cy="2927261"/>
-            <a:chOff x="5577929" y="2755046"/>
-            <a:chExt cx="3031033" cy="1712257"/>
+            <a:ext cx="5181828" cy="3129563"/>
+            <a:chOff x="3218825" y="1540042"/>
+            <a:chExt cx="5181828" cy="3129563"/>
           </a:xfrm>
         </p:grpSpPr>
         <p:pic>
           <p:nvPicPr>
-            <p:cNvPr id="4" name="図 3"/>
+            <p:cNvPr id="2" name="図 1"/>
             <p:cNvPicPr>
               <a:picLocks noChangeAspect="1"/>
             </p:cNvPicPr>
@@ -3288,8 +3289,8 @@
           </p:blipFill>
           <p:spPr>
             <a:xfrm>
-              <a:off x="5686814" y="2755046"/>
-              <a:ext cx="2549964" cy="1712257"/>
+              <a:off x="3629355" y="1540042"/>
+              <a:ext cx="4232691" cy="3129563"/>
             </a:xfrm>
             <a:prstGeom prst="rect">
               <a:avLst/>
@@ -3306,8 +3307,8 @@
           </p:nvCxnSpPr>
           <p:spPr>
             <a:xfrm flipH="1">
-              <a:off x="6798733" y="2836059"/>
-              <a:ext cx="582775" cy="245808"/>
+              <a:off x="5305901" y="1678541"/>
+              <a:ext cx="996307" cy="420231"/>
             </a:xfrm>
             <a:prstGeom prst="straightConnector1">
               <a:avLst/>
@@ -3343,8 +3344,8 @@
           </p:nvSpPr>
           <p:spPr>
             <a:xfrm>
-              <a:off x="7381509" y="2755046"/>
-              <a:ext cx="823184" cy="162026"/>
+              <a:off x="6302210" y="1540042"/>
+              <a:ext cx="1407308" cy="276998"/>
             </a:xfrm>
             <a:prstGeom prst="rect">
               <a:avLst/>
@@ -3379,8 +3380,8 @@
           </p:nvSpPr>
           <p:spPr>
             <a:xfrm>
-              <a:off x="5894353" y="4145400"/>
-              <a:ext cx="413692" cy="162026"/>
+              <a:off x="3759781" y="3916980"/>
+              <a:ext cx="707244" cy="276998"/>
             </a:xfrm>
             <a:prstGeom prst="rect">
               <a:avLst/>
@@ -3416,8 +3417,8 @@
           </p:nvSpPr>
           <p:spPr>
             <a:xfrm>
-              <a:off x="8195270" y="4022289"/>
-              <a:ext cx="413692" cy="162026"/>
+              <a:off x="7693409" y="3706511"/>
+              <a:ext cx="707244" cy="276998"/>
             </a:xfrm>
             <a:prstGeom prst="rect">
               <a:avLst/>
@@ -3452,8 +3453,8 @@
           </p:nvSpPr>
           <p:spPr>
             <a:xfrm>
-              <a:off x="5577929" y="3332938"/>
-              <a:ext cx="691238" cy="162026"/>
+              <a:off x="3218825" y="2528002"/>
+              <a:ext cx="1181735" cy="276998"/>
             </a:xfrm>
             <a:prstGeom prst="rect">
               <a:avLst/>
@@ -3472,14 +3473,7 @@
                   <a:latin typeface="Times New Roman" panose="02020603050405020304" pitchFamily="18" charset="0"/>
                   <a:cs typeface="Times New Roman" panose="02020603050405020304" pitchFamily="18" charset="0"/>
                 </a:rPr>
-                <a:t>RGB-D </a:t>
-              </a:r>
-              <a:r>
-                <a:rPr lang="en-US" sz="1200" dirty="0" smtClean="0">
-                  <a:latin typeface="Times New Roman" panose="02020603050405020304" pitchFamily="18" charset="0"/>
-                  <a:cs typeface="Times New Roman" panose="02020603050405020304" pitchFamily="18" charset="0"/>
-                </a:rPr>
-                <a:t>Camera</a:t>
+                <a:t>RGB-D Camera</a:t>
               </a:r>
               <a:endParaRPr lang="en-US" sz="1200" dirty="0">
                 <a:latin typeface="Times New Roman" panose="02020603050405020304" pitchFamily="18" charset="0"/>
@@ -3498,8 +3492,8 @@
           </p:nvCxnSpPr>
           <p:spPr>
             <a:xfrm flipH="1" flipV="1">
-              <a:off x="7755236" y="4022293"/>
-              <a:ext cx="440034" cy="81009"/>
+              <a:off x="6941130" y="3706517"/>
+              <a:ext cx="752278" cy="138492"/>
             </a:xfrm>
             <a:prstGeom prst="straightConnector1">
               <a:avLst/>
@@ -3537,8 +3531,8 @@
           </p:nvCxnSpPr>
           <p:spPr>
             <a:xfrm flipV="1">
-              <a:off x="6308044" y="4208109"/>
-              <a:ext cx="167362" cy="18304"/>
+              <a:off x="4467023" y="4024187"/>
+              <a:ext cx="286121" cy="31292"/>
             </a:xfrm>
             <a:prstGeom prst="straightConnector1">
               <a:avLst/>
@@ -3576,8 +3570,8 @@
           </p:nvCxnSpPr>
           <p:spPr>
             <a:xfrm flipV="1">
-              <a:off x="6269167" y="3159613"/>
-              <a:ext cx="206240" cy="254338"/>
+              <a:off x="4400560" y="2231687"/>
+              <a:ext cx="352586" cy="434814"/>
             </a:xfrm>
             <a:prstGeom prst="straightConnector1">
               <a:avLst/>
@@ -3605,51 +3599,51 @@
             </a:fontRef>
           </p:style>
         </p:cxnSp>
+        <p:sp>
+          <p:nvSpPr>
+            <p:cNvPr id="30" name="正方形/長方形 29"/>
+            <p:cNvSpPr/>
+            <p:nvPr/>
+          </p:nvSpPr>
+          <p:spPr>
+            <a:xfrm>
+              <a:off x="5439833" y="2639932"/>
+              <a:ext cx="2722034" cy="91440"/>
+            </a:xfrm>
+            <a:prstGeom prst="rect">
+              <a:avLst/>
+            </a:prstGeom>
+            <a:noFill/>
+            <a:ln>
+              <a:noFill/>
+            </a:ln>
+          </p:spPr>
+          <p:style>
+            <a:lnRef idx="2">
+              <a:schemeClr val="accent1">
+                <a:shade val="50000"/>
+              </a:schemeClr>
+            </a:lnRef>
+            <a:fillRef idx="1">
+              <a:schemeClr val="accent1"/>
+            </a:fillRef>
+            <a:effectRef idx="0">
+              <a:schemeClr val="accent1"/>
+            </a:effectRef>
+            <a:fontRef idx="minor">
+              <a:schemeClr val="lt1"/>
+            </a:fontRef>
+          </p:style>
+          <p:txBody>
+            <a:bodyPr rtlCol="0" anchor="ctr"/>
+            <a:lstStyle/>
+            <a:p>
+              <a:pPr algn="ctr"/>
+              <a:endParaRPr lang="en-US"/>
+            </a:p>
+          </p:txBody>
+        </p:sp>
       </p:grpSp>
-      <p:sp>
-        <p:nvSpPr>
-          <p:cNvPr id="30" name="正方形/長方形 29"/>
-          <p:cNvSpPr/>
-          <p:nvPr/>
-        </p:nvSpPr>
-        <p:spPr>
-          <a:xfrm>
-            <a:off x="5439833" y="2639932"/>
-            <a:ext cx="2722034" cy="91440"/>
-          </a:xfrm>
-          <a:prstGeom prst="rect">
-            <a:avLst/>
-          </a:prstGeom>
-          <a:noFill/>
-          <a:ln>
-            <a:noFill/>
-          </a:ln>
-        </p:spPr>
-        <p:style>
-          <a:lnRef idx="2">
-            <a:schemeClr val="accent1">
-              <a:shade val="50000"/>
-            </a:schemeClr>
-          </a:lnRef>
-          <a:fillRef idx="1">
-            <a:schemeClr val="accent1"/>
-          </a:fillRef>
-          <a:effectRef idx="0">
-            <a:schemeClr val="accent1"/>
-          </a:effectRef>
-          <a:fontRef idx="minor">
-            <a:schemeClr val="lt1"/>
-          </a:fontRef>
-        </p:style>
-        <p:txBody>
-          <a:bodyPr rtlCol="0" anchor="ctr"/>
-          <a:lstStyle/>
-          <a:p>
-            <a:pPr algn="ctr"/>
-            <a:endParaRPr lang="en-US"/>
-          </a:p>
-        </p:txBody>
-      </p:sp>
     </p:spTree>
     <p:extLst>
       <p:ext uri="{BB962C8B-B14F-4D97-AF65-F5344CB8AC3E}">
@@ -3664,6 +3658,421 @@
 </file>
 
 <file path=ppt/slides/slide2.xml><?xml version="1.0" encoding="utf-8"?>
+<p:sld xmlns:a="http://schemas.openxmlformats.org/drawingml/2006/main" xmlns:r="http://schemas.openxmlformats.org/officeDocument/2006/relationships" xmlns:p="http://schemas.openxmlformats.org/presentationml/2006/main">
+  <p:cSld>
+    <p:spTree>
+      <p:nvGrpSpPr>
+        <p:cNvPr id="1" name=""/>
+        <p:cNvGrpSpPr/>
+        <p:nvPr/>
+      </p:nvGrpSpPr>
+      <p:grpSpPr>
+        <a:xfrm>
+          <a:off x="0" y="0"/>
+          <a:ext cx="0" cy="0"/>
+          <a:chOff x="0" y="0"/>
+          <a:chExt cx="0" cy="0"/>
+        </a:xfrm>
+      </p:grpSpPr>
+      <p:grpSp>
+        <p:nvGrpSpPr>
+          <p:cNvPr id="3" name="グループ化 2"/>
+          <p:cNvGrpSpPr/>
+          <p:nvPr/>
+        </p:nvGrpSpPr>
+        <p:grpSpPr>
+          <a:xfrm>
+            <a:off x="3218825" y="1540042"/>
+            <a:ext cx="5181828" cy="3031959"/>
+            <a:chOff x="3218825" y="1540042"/>
+            <a:chExt cx="5181828" cy="3031959"/>
+          </a:xfrm>
+        </p:grpSpPr>
+        <p:pic>
+          <p:nvPicPr>
+            <p:cNvPr id="2" name="図 1"/>
+            <p:cNvPicPr>
+              <a:picLocks noChangeAspect="1"/>
+            </p:cNvPicPr>
+            <p:nvPr/>
+          </p:nvPicPr>
+          <p:blipFill>
+            <a:blip r:embed="rId2"/>
+            <a:stretch>
+              <a:fillRect/>
+            </a:stretch>
+          </p:blipFill>
+          <p:spPr>
+            <a:xfrm>
+              <a:off x="3681728" y="1562001"/>
+              <a:ext cx="3981110" cy="3010000"/>
+            </a:xfrm>
+            <a:prstGeom prst="rect">
+              <a:avLst/>
+            </a:prstGeom>
+          </p:spPr>
+        </p:pic>
+        <p:cxnSp>
+          <p:nvCxnSpPr>
+            <p:cNvPr id="6" name="直線矢印コネクタ 5"/>
+            <p:cNvCxnSpPr>
+              <a:stCxn id="9" idx="1"/>
+            </p:cNvCxnSpPr>
+            <p:nvPr/>
+          </p:nvCxnSpPr>
+          <p:spPr>
+            <a:xfrm flipH="1">
+              <a:off x="5305901" y="1678541"/>
+              <a:ext cx="996307" cy="420231"/>
+            </a:xfrm>
+            <a:prstGeom prst="straightConnector1">
+              <a:avLst/>
+            </a:prstGeom>
+            <a:ln w="12700">
+              <a:solidFill>
+                <a:schemeClr val="tx1"/>
+              </a:solidFill>
+              <a:headEnd type="none" w="med" len="med"/>
+              <a:tailEnd type="arrow" w="med" len="med"/>
+            </a:ln>
+          </p:spPr>
+          <p:style>
+            <a:lnRef idx="1">
+              <a:schemeClr val="accent1"/>
+            </a:lnRef>
+            <a:fillRef idx="0">
+              <a:schemeClr val="accent1"/>
+            </a:fillRef>
+            <a:effectRef idx="0">
+              <a:schemeClr val="accent1"/>
+            </a:effectRef>
+            <a:fontRef idx="minor">
+              <a:schemeClr val="tx1"/>
+            </a:fontRef>
+          </p:style>
+        </p:cxnSp>
+        <p:sp>
+          <p:nvSpPr>
+            <p:cNvPr id="9" name="テキスト ボックス 8"/>
+            <p:cNvSpPr txBox="1"/>
+            <p:nvPr/>
+          </p:nvSpPr>
+          <p:spPr>
+            <a:xfrm>
+              <a:off x="6302210" y="1540042"/>
+              <a:ext cx="1407308" cy="276998"/>
+            </a:xfrm>
+            <a:prstGeom prst="rect">
+              <a:avLst/>
+            </a:prstGeom>
+            <a:noFill/>
+          </p:spPr>
+          <p:txBody>
+            <a:bodyPr vert="horz" wrap="none" rtlCol="0">
+              <a:spAutoFit/>
+            </a:bodyPr>
+            <a:lstStyle/>
+            <a:p>
+              <a:r>
+                <a:rPr lang="en-US" sz="1200" dirty="0" smtClean="0">
+                  <a:latin typeface="Times New Roman" panose="02020603050405020304" pitchFamily="18" charset="0"/>
+                  <a:cs typeface="Times New Roman" panose="02020603050405020304" pitchFamily="18" charset="0"/>
+                </a:rPr>
+                <a:t>4DOF Robotic Arm</a:t>
+              </a:r>
+              <a:endParaRPr lang="en-US" sz="1200" dirty="0">
+                <a:latin typeface="Times New Roman" panose="02020603050405020304" pitchFamily="18" charset="0"/>
+                <a:cs typeface="Times New Roman" panose="02020603050405020304" pitchFamily="18" charset="0"/>
+              </a:endParaRPr>
+            </a:p>
+          </p:txBody>
+        </p:sp>
+        <p:sp>
+          <p:nvSpPr>
+            <p:cNvPr id="12" name="テキスト ボックス 11"/>
+            <p:cNvSpPr txBox="1"/>
+            <p:nvPr/>
+          </p:nvSpPr>
+          <p:spPr>
+            <a:xfrm>
+              <a:off x="3759781" y="3916980"/>
+              <a:ext cx="707244" cy="276998"/>
+            </a:xfrm>
+            <a:prstGeom prst="rect">
+              <a:avLst/>
+            </a:prstGeom>
+            <a:noFill/>
+          </p:spPr>
+          <p:txBody>
+            <a:bodyPr vert="horz" wrap="none" rtlCol="0">
+              <a:spAutoFit/>
+            </a:bodyPr>
+            <a:lstStyle/>
+            <a:p>
+              <a:pPr algn="r"/>
+              <a:r>
+                <a:rPr lang="en-US" sz="1200" dirty="0" smtClean="0">
+                  <a:latin typeface="Times New Roman" panose="02020603050405020304" pitchFamily="18" charset="0"/>
+                  <a:cs typeface="Times New Roman" panose="02020603050405020304" pitchFamily="18" charset="0"/>
+                </a:rPr>
+                <a:t>Roomba</a:t>
+              </a:r>
+              <a:endParaRPr lang="en-US" sz="1200" dirty="0">
+                <a:latin typeface="Times New Roman" panose="02020603050405020304" pitchFamily="18" charset="0"/>
+                <a:cs typeface="Times New Roman" panose="02020603050405020304" pitchFamily="18" charset="0"/>
+              </a:endParaRPr>
+            </a:p>
+          </p:txBody>
+        </p:sp>
+        <p:sp>
+          <p:nvSpPr>
+            <p:cNvPr id="13" name="テキスト ボックス 12"/>
+            <p:cNvSpPr txBox="1"/>
+            <p:nvPr/>
+          </p:nvSpPr>
+          <p:spPr>
+            <a:xfrm>
+              <a:off x="7693409" y="3706511"/>
+              <a:ext cx="707244" cy="276998"/>
+            </a:xfrm>
+            <a:prstGeom prst="rect">
+              <a:avLst/>
+            </a:prstGeom>
+            <a:noFill/>
+          </p:spPr>
+          <p:txBody>
+            <a:bodyPr vert="horz" wrap="none" rtlCol="0">
+              <a:spAutoFit/>
+            </a:bodyPr>
+            <a:lstStyle/>
+            <a:p>
+              <a:r>
+                <a:rPr lang="en-US" sz="1200" dirty="0" smtClean="0">
+                  <a:latin typeface="Times New Roman" panose="02020603050405020304" pitchFamily="18" charset="0"/>
+                  <a:cs typeface="Times New Roman" panose="02020603050405020304" pitchFamily="18" charset="0"/>
+                </a:rPr>
+                <a:t>2DLidar</a:t>
+              </a:r>
+              <a:endParaRPr lang="en-US" sz="1200" dirty="0">
+                <a:latin typeface="Times New Roman" panose="02020603050405020304" pitchFamily="18" charset="0"/>
+                <a:cs typeface="Times New Roman" panose="02020603050405020304" pitchFamily="18" charset="0"/>
+              </a:endParaRPr>
+            </a:p>
+          </p:txBody>
+        </p:sp>
+        <p:sp>
+          <p:nvSpPr>
+            <p:cNvPr id="14" name="テキスト ボックス 13"/>
+            <p:cNvSpPr txBox="1"/>
+            <p:nvPr/>
+          </p:nvSpPr>
+          <p:spPr>
+            <a:xfrm>
+              <a:off x="3218825" y="2528002"/>
+              <a:ext cx="1181735" cy="276998"/>
+            </a:xfrm>
+            <a:prstGeom prst="rect">
+              <a:avLst/>
+            </a:prstGeom>
+            <a:noFill/>
+          </p:spPr>
+          <p:txBody>
+            <a:bodyPr vert="horz" wrap="none" rtlCol="0">
+              <a:spAutoFit/>
+            </a:bodyPr>
+            <a:lstStyle/>
+            <a:p>
+              <a:pPr algn="r"/>
+              <a:r>
+                <a:rPr lang="en-US" sz="1200" dirty="0" smtClean="0">
+                  <a:latin typeface="Times New Roman" panose="02020603050405020304" pitchFamily="18" charset="0"/>
+                  <a:cs typeface="Times New Roman" panose="02020603050405020304" pitchFamily="18" charset="0"/>
+                </a:rPr>
+                <a:t>RGB-D Camera</a:t>
+              </a:r>
+              <a:endParaRPr lang="en-US" sz="1200" dirty="0">
+                <a:latin typeface="Times New Roman" panose="02020603050405020304" pitchFamily="18" charset="0"/>
+                <a:cs typeface="Times New Roman" panose="02020603050405020304" pitchFamily="18" charset="0"/>
+              </a:endParaRPr>
+            </a:p>
+          </p:txBody>
+        </p:sp>
+        <p:cxnSp>
+          <p:nvCxnSpPr>
+            <p:cNvPr id="15" name="直線矢印コネクタ 14"/>
+            <p:cNvCxnSpPr>
+              <a:stCxn id="13" idx="1"/>
+            </p:cNvCxnSpPr>
+            <p:nvPr/>
+          </p:nvCxnSpPr>
+          <p:spPr>
+            <a:xfrm flipH="1" flipV="1">
+              <a:off x="6941130" y="3706517"/>
+              <a:ext cx="752278" cy="138492"/>
+            </a:xfrm>
+            <a:prstGeom prst="straightConnector1">
+              <a:avLst/>
+            </a:prstGeom>
+            <a:ln w="12700">
+              <a:solidFill>
+                <a:schemeClr val="tx1"/>
+              </a:solidFill>
+              <a:headEnd type="none" w="med" len="med"/>
+              <a:tailEnd type="arrow" w="med" len="med"/>
+            </a:ln>
+          </p:spPr>
+          <p:style>
+            <a:lnRef idx="1">
+              <a:schemeClr val="accent1"/>
+            </a:lnRef>
+            <a:fillRef idx="0">
+              <a:schemeClr val="accent1"/>
+            </a:fillRef>
+            <a:effectRef idx="0">
+              <a:schemeClr val="accent1"/>
+            </a:effectRef>
+            <a:fontRef idx="minor">
+              <a:schemeClr val="tx1"/>
+            </a:fontRef>
+          </p:style>
+        </p:cxnSp>
+        <p:cxnSp>
+          <p:nvCxnSpPr>
+            <p:cNvPr id="16" name="直線矢印コネクタ 15"/>
+            <p:cNvCxnSpPr>
+              <a:stCxn id="12" idx="3"/>
+            </p:cNvCxnSpPr>
+            <p:nvPr/>
+          </p:nvCxnSpPr>
+          <p:spPr>
+            <a:xfrm flipV="1">
+              <a:off x="4467023" y="4024187"/>
+              <a:ext cx="286121" cy="31292"/>
+            </a:xfrm>
+            <a:prstGeom prst="straightConnector1">
+              <a:avLst/>
+            </a:prstGeom>
+            <a:ln w="12700">
+              <a:solidFill>
+                <a:schemeClr val="tx1"/>
+              </a:solidFill>
+              <a:headEnd type="none" w="med" len="med"/>
+              <a:tailEnd type="arrow" w="med" len="med"/>
+            </a:ln>
+          </p:spPr>
+          <p:style>
+            <a:lnRef idx="1">
+              <a:schemeClr val="accent1"/>
+            </a:lnRef>
+            <a:fillRef idx="0">
+              <a:schemeClr val="accent1"/>
+            </a:fillRef>
+            <a:effectRef idx="0">
+              <a:schemeClr val="accent1"/>
+            </a:effectRef>
+            <a:fontRef idx="minor">
+              <a:schemeClr val="tx1"/>
+            </a:fontRef>
+          </p:style>
+        </p:cxnSp>
+        <p:cxnSp>
+          <p:nvCxnSpPr>
+            <p:cNvPr id="17" name="直線矢印コネクタ 16"/>
+            <p:cNvCxnSpPr>
+              <a:stCxn id="14" idx="3"/>
+            </p:cNvCxnSpPr>
+            <p:nvPr/>
+          </p:nvCxnSpPr>
+          <p:spPr>
+            <a:xfrm flipV="1">
+              <a:off x="4400560" y="2231687"/>
+              <a:ext cx="352586" cy="434814"/>
+            </a:xfrm>
+            <a:prstGeom prst="straightConnector1">
+              <a:avLst/>
+            </a:prstGeom>
+            <a:ln w="12700">
+              <a:solidFill>
+                <a:schemeClr val="tx1"/>
+              </a:solidFill>
+              <a:headEnd type="none" w="med" len="med"/>
+              <a:tailEnd type="arrow" w="med" len="med"/>
+            </a:ln>
+          </p:spPr>
+          <p:style>
+            <a:lnRef idx="1">
+              <a:schemeClr val="accent1"/>
+            </a:lnRef>
+            <a:fillRef idx="0">
+              <a:schemeClr val="accent1"/>
+            </a:fillRef>
+            <a:effectRef idx="0">
+              <a:schemeClr val="accent1"/>
+            </a:effectRef>
+            <a:fontRef idx="minor">
+              <a:schemeClr val="tx1"/>
+            </a:fontRef>
+          </p:style>
+        </p:cxnSp>
+        <p:sp>
+          <p:nvSpPr>
+            <p:cNvPr id="30" name="正方形/長方形 29"/>
+            <p:cNvSpPr/>
+            <p:nvPr/>
+          </p:nvSpPr>
+          <p:spPr>
+            <a:xfrm>
+              <a:off x="5439833" y="2639932"/>
+              <a:ext cx="2722034" cy="91440"/>
+            </a:xfrm>
+            <a:prstGeom prst="rect">
+              <a:avLst/>
+            </a:prstGeom>
+            <a:noFill/>
+            <a:ln>
+              <a:noFill/>
+            </a:ln>
+          </p:spPr>
+          <p:style>
+            <a:lnRef idx="2">
+              <a:schemeClr val="accent1">
+                <a:shade val="50000"/>
+              </a:schemeClr>
+            </a:lnRef>
+            <a:fillRef idx="1">
+              <a:schemeClr val="accent1"/>
+            </a:fillRef>
+            <a:effectRef idx="0">
+              <a:schemeClr val="accent1"/>
+            </a:effectRef>
+            <a:fontRef idx="minor">
+              <a:schemeClr val="lt1"/>
+            </a:fontRef>
+          </p:style>
+          <p:txBody>
+            <a:bodyPr rtlCol="0" anchor="ctr"/>
+            <a:lstStyle/>
+            <a:p>
+              <a:pPr algn="ctr"/>
+              <a:endParaRPr lang="en-US"/>
+            </a:p>
+          </p:txBody>
+        </p:sp>
+      </p:grpSp>
+    </p:spTree>
+    <p:extLst>
+      <p:ext uri="{BB962C8B-B14F-4D97-AF65-F5344CB8AC3E}">
+        <p14:creationId xmlns:p14="http://schemas.microsoft.com/office/powerpoint/2010/main" val="2869252383"/>
+      </p:ext>
+    </p:extLst>
+  </p:cSld>
+  <p:clrMapOvr>
+    <a:masterClrMapping/>
+  </p:clrMapOvr>
+</p:sld>
+</file>
+
+<file path=ppt/slides/slide3.xml><?xml version="1.0" encoding="utf-8"?>
 <p:sld xmlns:a="http://schemas.openxmlformats.org/drawingml/2006/main" xmlns:r="http://schemas.openxmlformats.org/officeDocument/2006/relationships" xmlns:p="http://schemas.openxmlformats.org/presentationml/2006/main">
   <p:cSld>
     <p:spTree>
